--- a/Used Resorces (Temporary Folder or Non Major Folder)/PowerPoint/winscreen.pptx
+++ b/Used Resorces (Temporary Folder or Non Major Folder)/PowerPoint/winscreen.pptx
@@ -270,7 +270,7 @@
           <a:p>
             <a:fld id="{AF08ED7C-B016-4097-98DC-1A079ACA003F}" type="datetimeFigureOut">
               <a:rPr lang="en-US" smtClean="0"/>
-              <a:t>9/28/2020</a:t>
+              <a:t>10/3/2020</a:t>
             </a:fld>
             <a:endParaRPr lang="en-US"/>
           </a:p>
@@ -468,7 +468,7 @@
           <a:p>
             <a:fld id="{AF08ED7C-B016-4097-98DC-1A079ACA003F}" type="datetimeFigureOut">
               <a:rPr lang="en-US" smtClean="0"/>
-              <a:t>9/28/2020</a:t>
+              <a:t>10/3/2020</a:t>
             </a:fld>
             <a:endParaRPr lang="en-US"/>
           </a:p>
@@ -676,7 +676,7 @@
           <a:p>
             <a:fld id="{AF08ED7C-B016-4097-98DC-1A079ACA003F}" type="datetimeFigureOut">
               <a:rPr lang="en-US" smtClean="0"/>
-              <a:t>9/28/2020</a:t>
+              <a:t>10/3/2020</a:t>
             </a:fld>
             <a:endParaRPr lang="en-US"/>
           </a:p>
@@ -874,7 +874,7 @@
           <a:p>
             <a:fld id="{AF08ED7C-B016-4097-98DC-1A079ACA003F}" type="datetimeFigureOut">
               <a:rPr lang="en-US" smtClean="0"/>
-              <a:t>9/28/2020</a:t>
+              <a:t>10/3/2020</a:t>
             </a:fld>
             <a:endParaRPr lang="en-US"/>
           </a:p>
@@ -1149,7 +1149,7 @@
           <a:p>
             <a:fld id="{AF08ED7C-B016-4097-98DC-1A079ACA003F}" type="datetimeFigureOut">
               <a:rPr lang="en-US" smtClean="0"/>
-              <a:t>9/28/2020</a:t>
+              <a:t>10/3/2020</a:t>
             </a:fld>
             <a:endParaRPr lang="en-US"/>
           </a:p>
@@ -1414,7 +1414,7 @@
           <a:p>
             <a:fld id="{AF08ED7C-B016-4097-98DC-1A079ACA003F}" type="datetimeFigureOut">
               <a:rPr lang="en-US" smtClean="0"/>
-              <a:t>9/28/2020</a:t>
+              <a:t>10/3/2020</a:t>
             </a:fld>
             <a:endParaRPr lang="en-US"/>
           </a:p>
@@ -1826,7 +1826,7 @@
           <a:p>
             <a:fld id="{AF08ED7C-B016-4097-98DC-1A079ACA003F}" type="datetimeFigureOut">
               <a:rPr lang="en-US" smtClean="0"/>
-              <a:t>9/28/2020</a:t>
+              <a:t>10/3/2020</a:t>
             </a:fld>
             <a:endParaRPr lang="en-US"/>
           </a:p>
@@ -1967,7 +1967,7 @@
           <a:p>
             <a:fld id="{AF08ED7C-B016-4097-98DC-1A079ACA003F}" type="datetimeFigureOut">
               <a:rPr lang="en-US" smtClean="0"/>
-              <a:t>9/28/2020</a:t>
+              <a:t>10/3/2020</a:t>
             </a:fld>
             <a:endParaRPr lang="en-US"/>
           </a:p>
@@ -2080,7 +2080,7 @@
           <a:p>
             <a:fld id="{AF08ED7C-B016-4097-98DC-1A079ACA003F}" type="datetimeFigureOut">
               <a:rPr lang="en-US" smtClean="0"/>
-              <a:t>9/28/2020</a:t>
+              <a:t>10/3/2020</a:t>
             </a:fld>
             <a:endParaRPr lang="en-US"/>
           </a:p>
@@ -2391,7 +2391,7 @@
           <a:p>
             <a:fld id="{AF08ED7C-B016-4097-98DC-1A079ACA003F}" type="datetimeFigureOut">
               <a:rPr lang="en-US" smtClean="0"/>
-              <a:t>9/28/2020</a:t>
+              <a:t>10/3/2020</a:t>
             </a:fld>
             <a:endParaRPr lang="en-US"/>
           </a:p>
@@ -2679,7 +2679,7 @@
           <a:p>
             <a:fld id="{AF08ED7C-B016-4097-98DC-1A079ACA003F}" type="datetimeFigureOut">
               <a:rPr lang="en-US" smtClean="0"/>
-              <a:t>9/28/2020</a:t>
+              <a:t>10/3/2020</a:t>
             </a:fld>
             <a:endParaRPr lang="en-US"/>
           </a:p>
@@ -2920,7 +2920,7 @@
           <a:p>
             <a:fld id="{AF08ED7C-B016-4097-98DC-1A079ACA003F}" type="datetimeFigureOut">
               <a:rPr lang="en-US" smtClean="0"/>
-              <a:t>9/28/2020</a:t>
+              <a:t>10/3/2020</a:t>
             </a:fld>
             <a:endParaRPr lang="en-US"/>
           </a:p>
@@ -3358,7 +3358,10 @@
             <a:avLst/>
           </a:prstGeom>
           <a:solidFill>
-            <a:srgbClr val="00B0F0"/>
+            <a:schemeClr val="accent6">
+              <a:lumMod val="40000"/>
+              <a:lumOff val="60000"/>
+            </a:schemeClr>
           </a:solidFill>
           <a:ln>
             <a:noFill/>
@@ -3594,8 +3597,8 @@
         </p:nvSpPr>
         <p:spPr>
           <a:xfrm>
-            <a:off x="4962524" y="1581275"/>
-            <a:ext cx="2185663" cy="461665"/>
+            <a:off x="4381502" y="1567145"/>
+            <a:ext cx="1989712" cy="461665"/>
           </a:xfrm>
           <a:prstGeom prst="rect">
             <a:avLst/>
@@ -3621,11 +3624,342 @@
                   </a:outerShdw>
                 </a:effectLst>
               </a:rPr>
-              <a:t>Level 1 Winner!</a:t>
-            </a:r>
-          </a:p>
-        </p:txBody>
-      </p:sp>
+              <a:t>Level 2 Failed!</a:t>
+            </a:r>
+          </a:p>
+        </p:txBody>
+      </p:sp>
+      <p:pic>
+        <p:nvPicPr>
+          <p:cNvPr id="3" name="Picture 2">
+            <a:extLst>
+              <a:ext uri="{FF2B5EF4-FFF2-40B4-BE49-F238E27FC236}">
+                <a16:creationId xmlns:a16="http://schemas.microsoft.com/office/drawing/2014/main" id="{848FB6BA-07DC-4D9D-A6CF-DE0046CE4E57}"/>
+              </a:ext>
+            </a:extLst>
+          </p:cNvPr>
+          <p:cNvPicPr>
+            <a:picLocks noChangeAspect="1"/>
+          </p:cNvPicPr>
+          <p:nvPr/>
+        </p:nvPicPr>
+        <p:blipFill>
+          <a:blip r:embed="rId2">
+            <a:extLst>
+              <a:ext uri="{28A0092B-C50C-407E-A947-70E740481C1C}">
+                <a14:useLocalDpi xmlns:a14="http://schemas.microsoft.com/office/drawing/2010/main" val="0"/>
+              </a:ext>
+            </a:extLst>
+          </a:blip>
+          <a:stretch>
+            <a:fillRect/>
+          </a:stretch>
+        </p:blipFill>
+        <p:spPr>
+          <a:xfrm>
+            <a:off x="3386138" y="2570574"/>
+            <a:ext cx="510126" cy="634631"/>
+          </a:xfrm>
+          <a:prstGeom prst="rect">
+            <a:avLst/>
+          </a:prstGeom>
+        </p:spPr>
+      </p:pic>
+      <p:pic>
+        <p:nvPicPr>
+          <p:cNvPr id="5" name="Picture 4">
+            <a:extLst>
+              <a:ext uri="{FF2B5EF4-FFF2-40B4-BE49-F238E27FC236}">
+                <a16:creationId xmlns:a16="http://schemas.microsoft.com/office/drawing/2014/main" id="{BD324FB4-58D7-41F5-969A-9DF5BAB4F345}"/>
+              </a:ext>
+            </a:extLst>
+          </p:cNvPr>
+          <p:cNvPicPr>
+            <a:picLocks noChangeAspect="1"/>
+          </p:cNvPicPr>
+          <p:nvPr/>
+        </p:nvPicPr>
+        <p:blipFill>
+          <a:blip r:embed="rId3">
+            <a:extLst>
+              <a:ext uri="{28A0092B-C50C-407E-A947-70E740481C1C}">
+                <a14:useLocalDpi xmlns:a14="http://schemas.microsoft.com/office/drawing/2010/main" val="0"/>
+              </a:ext>
+            </a:extLst>
+          </a:blip>
+          <a:stretch>
+            <a:fillRect/>
+          </a:stretch>
+        </p:blipFill>
+        <p:spPr>
+          <a:xfrm>
+            <a:off x="2335408" y="3162515"/>
+            <a:ext cx="548149" cy="509462"/>
+          </a:xfrm>
+          <a:prstGeom prst="rect">
+            <a:avLst/>
+          </a:prstGeom>
+        </p:spPr>
+      </p:pic>
+      <p:pic>
+        <p:nvPicPr>
+          <p:cNvPr id="7" name="Picture 6">
+            <a:extLst>
+              <a:ext uri="{FF2B5EF4-FFF2-40B4-BE49-F238E27FC236}">
+                <a16:creationId xmlns:a16="http://schemas.microsoft.com/office/drawing/2014/main" id="{935C58BB-3F43-4463-96BE-CDD72F9DA540}"/>
+              </a:ext>
+            </a:extLst>
+          </p:cNvPr>
+          <p:cNvPicPr>
+            <a:picLocks noChangeAspect="1"/>
+          </p:cNvPicPr>
+          <p:nvPr/>
+        </p:nvPicPr>
+        <p:blipFill>
+          <a:blip r:embed="rId4">
+            <a:extLst>
+              <a:ext uri="{28A0092B-C50C-407E-A947-70E740481C1C}">
+                <a14:useLocalDpi xmlns:a14="http://schemas.microsoft.com/office/drawing/2010/main" val="0"/>
+              </a:ext>
+            </a:extLst>
+          </a:blip>
+          <a:stretch>
+            <a:fillRect/>
+          </a:stretch>
+        </p:blipFill>
+        <p:spPr>
+          <a:xfrm>
+            <a:off x="2853684" y="3163889"/>
+            <a:ext cx="510126" cy="360576"/>
+          </a:xfrm>
+          <a:prstGeom prst="rect">
+            <a:avLst/>
+          </a:prstGeom>
+        </p:spPr>
+      </p:pic>
+      <p:pic>
+        <p:nvPicPr>
+          <p:cNvPr id="11" name="Picture 10">
+            <a:extLst>
+              <a:ext uri="{FF2B5EF4-FFF2-40B4-BE49-F238E27FC236}">
+                <a16:creationId xmlns:a16="http://schemas.microsoft.com/office/drawing/2014/main" id="{7A46DB2D-5AA3-4B88-8DAD-74B0E7A3D6B4}"/>
+              </a:ext>
+            </a:extLst>
+          </p:cNvPr>
+          <p:cNvPicPr>
+            <a:picLocks noChangeAspect="1"/>
+          </p:cNvPicPr>
+          <p:nvPr/>
+        </p:nvPicPr>
+        <p:blipFill>
+          <a:blip r:embed="rId5">
+            <a:extLst>
+              <a:ext uri="{28A0092B-C50C-407E-A947-70E740481C1C}">
+                <a14:useLocalDpi xmlns:a14="http://schemas.microsoft.com/office/drawing/2010/main" val="0"/>
+              </a:ext>
+            </a:extLst>
+          </a:blip>
+          <a:stretch>
+            <a:fillRect/>
+          </a:stretch>
+        </p:blipFill>
+        <p:spPr>
+          <a:xfrm>
+            <a:off x="3342884" y="3190226"/>
+            <a:ext cx="490871" cy="356196"/>
+          </a:xfrm>
+          <a:prstGeom prst="rect">
+            <a:avLst/>
+          </a:prstGeom>
+        </p:spPr>
+      </p:pic>
+      <p:pic>
+        <p:nvPicPr>
+          <p:cNvPr id="13" name="Picture 12">
+            <a:extLst>
+              <a:ext uri="{FF2B5EF4-FFF2-40B4-BE49-F238E27FC236}">
+                <a16:creationId xmlns:a16="http://schemas.microsoft.com/office/drawing/2014/main" id="{D455FA75-B36C-4A8D-A45C-6C044D9DE0CE}"/>
+              </a:ext>
+            </a:extLst>
+          </p:cNvPr>
+          <p:cNvPicPr>
+            <a:picLocks noChangeAspect="1"/>
+          </p:cNvPicPr>
+          <p:nvPr/>
+        </p:nvPicPr>
+        <p:blipFill>
+          <a:blip r:embed="rId6">
+            <a:extLst>
+              <a:ext uri="{28A0092B-C50C-407E-A947-70E740481C1C}">
+                <a14:useLocalDpi xmlns:a14="http://schemas.microsoft.com/office/drawing/2010/main" val="0"/>
+              </a:ext>
+            </a:extLst>
+          </a:blip>
+          <a:stretch>
+            <a:fillRect/>
+          </a:stretch>
+        </p:blipFill>
+        <p:spPr>
+          <a:xfrm>
+            <a:off x="3477820" y="3589887"/>
+            <a:ext cx="220998" cy="291222"/>
+          </a:xfrm>
+          <a:prstGeom prst="rect">
+            <a:avLst/>
+          </a:prstGeom>
+        </p:spPr>
+      </p:pic>
+      <p:pic>
+        <p:nvPicPr>
+          <p:cNvPr id="15" name="Picture 14">
+            <a:extLst>
+              <a:ext uri="{FF2B5EF4-FFF2-40B4-BE49-F238E27FC236}">
+                <a16:creationId xmlns:a16="http://schemas.microsoft.com/office/drawing/2014/main" id="{CED91F83-419A-4BA3-88D4-798F04CCDF5D}"/>
+              </a:ext>
+            </a:extLst>
+          </p:cNvPr>
+          <p:cNvPicPr>
+            <a:picLocks noChangeAspect="1"/>
+          </p:cNvPicPr>
+          <p:nvPr/>
+        </p:nvPicPr>
+        <p:blipFill>
+          <a:blip r:embed="rId7">
+            <a:extLst>
+              <a:ext uri="{28A0092B-C50C-407E-A947-70E740481C1C}">
+                <a14:useLocalDpi xmlns:a14="http://schemas.microsoft.com/office/drawing/2010/main" val="0"/>
+              </a:ext>
+            </a:extLst>
+          </a:blip>
+          <a:stretch>
+            <a:fillRect/>
+          </a:stretch>
+        </p:blipFill>
+        <p:spPr>
+          <a:xfrm>
+            <a:off x="2938089" y="3631353"/>
+            <a:ext cx="425721" cy="249756"/>
+          </a:xfrm>
+          <a:prstGeom prst="rect">
+            <a:avLst/>
+          </a:prstGeom>
+        </p:spPr>
+      </p:pic>
+      <p:pic>
+        <p:nvPicPr>
+          <p:cNvPr id="17" name="Picture 16">
+            <a:extLst>
+              <a:ext uri="{FF2B5EF4-FFF2-40B4-BE49-F238E27FC236}">
+                <a16:creationId xmlns:a16="http://schemas.microsoft.com/office/drawing/2014/main" id="{E54C8428-CC3D-49C1-987A-871F6FC8559B}"/>
+              </a:ext>
+            </a:extLst>
+          </p:cNvPr>
+          <p:cNvPicPr>
+            <a:picLocks noChangeAspect="1"/>
+          </p:cNvPicPr>
+          <p:nvPr/>
+        </p:nvPicPr>
+        <p:blipFill>
+          <a:blip r:embed="rId8">
+            <a:extLst>
+              <a:ext uri="{28A0092B-C50C-407E-A947-70E740481C1C}">
+                <a14:useLocalDpi xmlns:a14="http://schemas.microsoft.com/office/drawing/2010/main" val="0"/>
+              </a:ext>
+            </a:extLst>
+          </a:blip>
+          <a:stretch>
+            <a:fillRect/>
+          </a:stretch>
+        </p:blipFill>
+        <p:spPr>
+          <a:xfrm flipH="1">
+            <a:off x="3221973" y="4055801"/>
+            <a:ext cx="476845" cy="476845"/>
+          </a:xfrm>
+          <a:prstGeom prst="rect">
+            <a:avLst/>
+          </a:prstGeom>
+        </p:spPr>
+      </p:pic>
+      <p:sp>
+        <p:nvSpPr>
+          <p:cNvPr id="22" name="TextBox 21">
+            <a:extLst>
+              <a:ext uri="{FF2B5EF4-FFF2-40B4-BE49-F238E27FC236}">
+                <a16:creationId xmlns:a16="http://schemas.microsoft.com/office/drawing/2014/main" id="{067DF1C8-40DF-44FF-80A1-277D89F2D441}"/>
+              </a:ext>
+            </a:extLst>
+          </p:cNvPr>
+          <p:cNvSpPr txBox="1"/>
+          <p:nvPr/>
+        </p:nvSpPr>
+        <p:spPr>
+          <a:xfrm>
+            <a:off x="7810499" y="1657565"/>
+            <a:ext cx="1474443" cy="400110"/>
+          </a:xfrm>
+          <a:prstGeom prst="rect">
+            <a:avLst/>
+          </a:prstGeom>
+          <a:noFill/>
+        </p:spPr>
+        <p:txBody>
+          <a:bodyPr wrap="none" rtlCol="0">
+            <a:spAutoFit/>
+          </a:bodyPr>
+          <a:lstStyle/>
+          <a:p>
+            <a:r>
+              <a:rPr lang="en-US" sz="2000" b="1" i="1" u="sng" dirty="0">
+                <a:effectLst>
+                  <a:outerShdw blurRad="38100" dist="38100" dir="2700000" algn="tl">
+                    <a:srgbClr val="000000">
+                      <a:alpha val="43137"/>
+                    </a:srgbClr>
+                  </a:outerShdw>
+                </a:effectLst>
+              </a:rPr>
+              <a:t>Best Score : </a:t>
+            </a:r>
+          </a:p>
+        </p:txBody>
+      </p:sp>
+      <p:pic>
+        <p:nvPicPr>
+          <p:cNvPr id="27" name="Picture 26">
+            <a:extLst>
+              <a:ext uri="{FF2B5EF4-FFF2-40B4-BE49-F238E27FC236}">
+                <a16:creationId xmlns:a16="http://schemas.microsoft.com/office/drawing/2014/main" id="{01952639-89A6-4427-BD9B-C378DFB2AED4}"/>
+              </a:ext>
+            </a:extLst>
+          </p:cNvPr>
+          <p:cNvPicPr>
+            <a:picLocks noChangeAspect="1"/>
+          </p:cNvPicPr>
+          <p:nvPr/>
+        </p:nvPicPr>
+        <p:blipFill>
+          <a:blip r:embed="rId9">
+            <a:extLst>
+              <a:ext uri="{28A0092B-C50C-407E-A947-70E740481C1C}">
+                <a14:useLocalDpi xmlns:a14="http://schemas.microsoft.com/office/drawing/2010/main" val="0"/>
+              </a:ext>
+            </a:extLst>
+          </a:blip>
+          <a:stretch>
+            <a:fillRect/>
+          </a:stretch>
+        </p:blipFill>
+        <p:spPr>
+          <a:xfrm>
+            <a:off x="5062521" y="2093492"/>
+            <a:ext cx="634630" cy="634630"/>
+          </a:xfrm>
+          <a:prstGeom prst="rect">
+            <a:avLst/>
+          </a:prstGeom>
+        </p:spPr>
+      </p:pic>
     </p:spTree>
     <p:extLst>
       <p:ext uri="{BB962C8B-B14F-4D97-AF65-F5344CB8AC3E}">
